--- a/Presentation.pptx
+++ b/Presentation.pptx
@@ -17,6 +17,10 @@
     <p:sldId id="263" r:id="rId12"/>
     <p:sldId id="264" r:id="rId13"/>
     <p:sldId id="265" r:id="rId14"/>
+    <p:sldId id="266" r:id="rId15"/>
+    <p:sldId id="267" r:id="rId16"/>
+    <p:sldId id="268" r:id="rId17"/>
+    <p:sldId id="269" r:id="rId18"/>
   </p:sldIdLst>
   <p:sldSz cx="10080625" cy="5670550"/>
   <p:notesSz cx="7559675" cy="10691813"/>
@@ -74,7 +78,7 @@
         <p:txBody>
           <a:bodyPr/>
           <a:p>
-            <a:fld id="{7E3DF2E4-0A7A-4238-A969-3744283DF15A}" type="slidenum">
+            <a:fld id="{B83B9C79-C274-4553-BFF9-B4C8FBF6F6ED}" type="slidenum">
               <a:t>&lt;#&gt;</a:t>
             </a:fld>
           </a:p>
@@ -283,7 +287,7 @@
         <p:txBody>
           <a:bodyPr/>
           <a:p>
-            <a:fld id="{072C2C14-7388-40C7-869C-C0BA66A098CE}" type="slidenum">
+            <a:fld id="{64CD457D-E0D3-4CFA-B1C7-6861208986C6}" type="slidenum">
               <a:t>&lt;#&gt;</a:t>
             </a:fld>
           </a:p>
@@ -578,7 +582,7 @@
         <p:txBody>
           <a:bodyPr/>
           <a:p>
-            <a:fld id="{EECBE7BD-DD9F-432A-B36A-FAF0E168226D}" type="slidenum">
+            <a:fld id="{715030B3-0C1A-4C5B-9DFC-0FD4C9AA1CA3}" type="slidenum">
               <a:t>&lt;#&gt;</a:t>
             </a:fld>
           </a:p>
@@ -959,7 +963,7 @@
         <p:txBody>
           <a:bodyPr/>
           <a:p>
-            <a:fld id="{C80BE7BA-4232-496C-A781-7C1FB9A51BCB}" type="slidenum">
+            <a:fld id="{11D0B02C-3451-43A9-A4DA-5248797A7966}" type="slidenum">
               <a:t>&lt;#&gt;</a:t>
             </a:fld>
           </a:p>
@@ -1042,7 +1046,7 @@
         <p:txBody>
           <a:bodyPr/>
           <a:p>
-            <a:fld id="{A2BB38E4-16BD-4071-A7CD-5C0C1E01414C}" type="slidenum">
+            <a:fld id="{61006D58-A911-4CB6-84F3-226B9AF59A01}" type="slidenum">
               <a:t>&lt;#&gt;</a:t>
             </a:fld>
           </a:p>
@@ -1205,7 +1209,7 @@
         <p:txBody>
           <a:bodyPr/>
           <a:p>
-            <a:fld id="{F5CA7EDB-B664-47F8-8125-E169FB82C304}" type="slidenum">
+            <a:fld id="{D80E4D3E-1430-404F-91C2-08422ECF86A1}" type="slidenum">
               <a:t>&lt;#&gt;</a:t>
             </a:fld>
           </a:p>
@@ -1371,7 +1375,7 @@
         <p:txBody>
           <a:bodyPr/>
           <a:p>
-            <a:fld id="{F5021027-93F0-45E2-85D8-0605EFF52688}" type="slidenum">
+            <a:fld id="{B61814E1-2EE7-49B6-8968-4ED0C3E531DF}" type="slidenum">
               <a:t>&lt;#&gt;</a:t>
             </a:fld>
           </a:p>
@@ -1580,7 +1584,7 @@
         <p:txBody>
           <a:bodyPr/>
           <a:p>
-            <a:fld id="{2B108B36-B2CD-4175-8CAF-FF347B9BF1BA}" type="slidenum">
+            <a:fld id="{2745E60A-F993-44A6-A523-650428B73996}" type="slidenum">
               <a:t>&lt;#&gt;</a:t>
             </a:fld>
           </a:p>
@@ -1703,7 +1707,7 @@
         <p:txBody>
           <a:bodyPr/>
           <a:p>
-            <a:fld id="{764131EC-4B43-49E6-9774-8F20D8BA8704}" type="slidenum">
+            <a:fld id="{E73F168E-FA31-4B03-B79E-29028E229CC1}" type="slidenum">
               <a:t>&lt;#&gt;</a:t>
             </a:fld>
           </a:p>
@@ -1824,7 +1828,7 @@
         <p:txBody>
           <a:bodyPr/>
           <a:p>
-            <a:fld id="{04302B9B-7193-48B8-A1DF-B63D4D8440DF}" type="slidenum">
+            <a:fld id="{A80D8E22-D67A-4CBF-B1C8-F6F1BB324C38}" type="slidenum">
               <a:t>&lt;#&gt;</a:t>
             </a:fld>
           </a:p>
@@ -2076,7 +2080,7 @@
         <p:txBody>
           <a:bodyPr/>
           <a:p>
-            <a:fld id="{2065AAE3-67D8-4EAB-8542-5B5CB2F68FCB}" type="slidenum">
+            <a:fld id="{44669734-0A53-469B-B1E1-B911711AF02D}" type="slidenum">
               <a:t>&lt;#&gt;</a:t>
             </a:fld>
           </a:p>
@@ -2239,7 +2243,7 @@
         <p:txBody>
           <a:bodyPr/>
           <a:p>
-            <a:fld id="{5C63D955-DE48-4CDC-A1AC-3E4A7AD791C6}" type="slidenum">
+            <a:fld id="{C5A4A9FF-2A18-4C6D-ADDD-4BDF4D07A3F5}" type="slidenum">
               <a:t>&lt;#&gt;</a:t>
             </a:fld>
           </a:p>
@@ -2491,7 +2495,7 @@
         <p:txBody>
           <a:bodyPr/>
           <a:p>
-            <a:fld id="{B5ACFEE2-BB00-4B35-9A3C-40DBC6A94E79}" type="slidenum">
+            <a:fld id="{D6B06764-18A7-4130-896B-4F058A771A27}" type="slidenum">
               <a:t>&lt;#&gt;</a:t>
             </a:fld>
           </a:p>
@@ -2743,7 +2747,7 @@
         <p:txBody>
           <a:bodyPr/>
           <a:p>
-            <a:fld id="{21A1FA11-6F18-4B3B-BC9A-6121599CA634}" type="slidenum">
+            <a:fld id="{570AAED6-C06A-437E-B111-E9479F48D12B}" type="slidenum">
               <a:t>&lt;#&gt;</a:t>
             </a:fld>
           </a:p>
@@ -2952,7 +2956,7 @@
         <p:txBody>
           <a:bodyPr/>
           <a:p>
-            <a:fld id="{DB048AB8-5828-4579-B337-2273D76B1860}" type="slidenum">
+            <a:fld id="{B27E9AB1-FEB5-47FB-A4F7-6F4585E28EF0}" type="slidenum">
               <a:t>&lt;#&gt;</a:t>
             </a:fld>
           </a:p>
@@ -3247,7 +3251,7 @@
         <p:txBody>
           <a:bodyPr/>
           <a:p>
-            <a:fld id="{7C34A155-890F-4A1D-9C51-CCC3F977BE22}" type="slidenum">
+            <a:fld id="{0EC5CDCB-5844-436D-B578-DA5382DF66FF}" type="slidenum">
               <a:t>&lt;#&gt;</a:t>
             </a:fld>
           </a:p>
@@ -3628,7 +3632,7 @@
         <p:txBody>
           <a:bodyPr/>
           <a:p>
-            <a:fld id="{B0FC4A07-7955-4747-8536-A3FF99131E51}" type="slidenum">
+            <a:fld id="{2D726E28-2E04-4F3C-8128-809C3BA85D11}" type="slidenum">
               <a:t>&lt;#&gt;</a:t>
             </a:fld>
           </a:p>
@@ -3711,7 +3715,7 @@
         <p:txBody>
           <a:bodyPr/>
           <a:p>
-            <a:fld id="{67F1EF38-68A7-441F-94C0-25AF0233FE20}" type="slidenum">
+            <a:fld id="{48AA9B60-85AF-4BB2-B691-2C9C08C33A1B}" type="slidenum">
               <a:t>&lt;#&gt;</a:t>
             </a:fld>
           </a:p>
@@ -3874,7 +3878,7 @@
         <p:txBody>
           <a:bodyPr/>
           <a:p>
-            <a:fld id="{958210B2-2657-4B3D-BC32-4F77C9B9A763}" type="slidenum">
+            <a:fld id="{D894E9AF-2D81-4B51-96C5-34E64A7CD137}" type="slidenum">
               <a:t>&lt;#&gt;</a:t>
             </a:fld>
           </a:p>
@@ -4040,7 +4044,7 @@
         <p:txBody>
           <a:bodyPr/>
           <a:p>
-            <a:fld id="{D167937F-084B-4459-8324-C6DCEABE8146}" type="slidenum">
+            <a:fld id="{F0CD86D3-F314-4D98-BE45-E93938165916}" type="slidenum">
               <a:t>&lt;#&gt;</a:t>
             </a:fld>
           </a:p>
@@ -4249,7 +4253,7 @@
         <p:txBody>
           <a:bodyPr/>
           <a:p>
-            <a:fld id="{331C6814-7C40-4FD2-AB9E-9C8AECDF2B09}" type="slidenum">
+            <a:fld id="{E7B10A14-3248-4175-8042-4E032CBD7907}" type="slidenum">
               <a:t>&lt;#&gt;</a:t>
             </a:fld>
           </a:p>
@@ -4372,7 +4376,7 @@
         <p:txBody>
           <a:bodyPr/>
           <a:p>
-            <a:fld id="{79FB1D48-3D7F-446E-AD48-D664EC7FB1D7}" type="slidenum">
+            <a:fld id="{283B68D5-57AD-4B85-8052-446ECD6B9863}" type="slidenum">
               <a:t>&lt;#&gt;</a:t>
             </a:fld>
           </a:p>
@@ -4538,7 +4542,7 @@
         <p:txBody>
           <a:bodyPr/>
           <a:p>
-            <a:fld id="{BF9308B6-46F2-4048-A127-8C40880FD5D7}" type="slidenum">
+            <a:fld id="{D9721CCB-E7B1-42AB-BC49-3BF8C1C63D73}" type="slidenum">
               <a:t>&lt;#&gt;</a:t>
             </a:fld>
           </a:p>
@@ -4659,7 +4663,7 @@
         <p:txBody>
           <a:bodyPr/>
           <a:p>
-            <a:fld id="{DC316F1D-C6DD-4A60-8D2A-473EB3B2C309}" type="slidenum">
+            <a:fld id="{CAD9A398-C9DA-41FA-99F2-BFFE01EB8030}" type="slidenum">
               <a:t>&lt;#&gt;</a:t>
             </a:fld>
           </a:p>
@@ -4911,7 +4915,7 @@
         <p:txBody>
           <a:bodyPr/>
           <a:p>
-            <a:fld id="{F0ADD300-3068-4D3E-8A7D-8BE4DBE62065}" type="slidenum">
+            <a:fld id="{7142FE51-434A-4B30-AAC8-6A646550C3CF}" type="slidenum">
               <a:t>&lt;#&gt;</a:t>
             </a:fld>
           </a:p>
@@ -5163,7 +5167,7 @@
         <p:txBody>
           <a:bodyPr/>
           <a:p>
-            <a:fld id="{03742637-2F59-4543-BB5D-CDA9BAB1DA0F}" type="slidenum">
+            <a:fld id="{98AC432F-295B-4C0A-9F73-87DC973D7EA5}" type="slidenum">
               <a:t>&lt;#&gt;</a:t>
             </a:fld>
           </a:p>
@@ -5415,7 +5419,7 @@
         <p:txBody>
           <a:bodyPr/>
           <a:p>
-            <a:fld id="{6F19D515-B3AC-45B3-8411-9314E8D11FA2}" type="slidenum">
+            <a:fld id="{6919C4B4-0662-4F15-989A-B34050972DEA}" type="slidenum">
               <a:t>&lt;#&gt;</a:t>
             </a:fld>
           </a:p>
@@ -5624,7 +5628,7 @@
         <p:txBody>
           <a:bodyPr/>
           <a:p>
-            <a:fld id="{4B3939C5-121B-41C5-8A61-90E24F792C1A}" type="slidenum">
+            <a:fld id="{D1DBECF4-64F9-4F3C-9FD2-8FB5A9491D0B}" type="slidenum">
               <a:t>&lt;#&gt;</a:t>
             </a:fld>
           </a:p>
@@ -5919,7 +5923,7 @@
         <p:txBody>
           <a:bodyPr/>
           <a:p>
-            <a:fld id="{BF28EA57-B6D7-43AB-8258-698CBE663CBC}" type="slidenum">
+            <a:fld id="{402DCB62-5018-47FA-8431-D18CBA4C92A5}" type="slidenum">
               <a:t>&lt;#&gt;</a:t>
             </a:fld>
           </a:p>
@@ -6300,7 +6304,7 @@
         <p:txBody>
           <a:bodyPr/>
           <a:p>
-            <a:fld id="{04D2B56C-5A0C-4136-B4F4-D45D291B5FD0}" type="slidenum">
+            <a:fld id="{2A912A3A-87A9-4A6E-B5D3-431099DABBE1}" type="slidenum">
               <a:t>&lt;#&gt;</a:t>
             </a:fld>
           </a:p>
@@ -6509,7 +6513,7 @@
         <p:txBody>
           <a:bodyPr/>
           <a:p>
-            <a:fld id="{779F78F8-D5D4-42E5-A799-FDFF551DAAA2}" type="slidenum">
+            <a:fld id="{B2EC1115-D26D-4C9B-B4CD-9D043CCD62C9}" type="slidenum">
               <a:t>&lt;#&gt;</a:t>
             </a:fld>
           </a:p>
@@ -6632,7 +6636,7 @@
         <p:txBody>
           <a:bodyPr/>
           <a:p>
-            <a:fld id="{9FC4D74C-B180-406A-A9C5-D1B7B05234C1}" type="slidenum">
+            <a:fld id="{C26C84A2-584A-4C3C-93C3-4AD7C4A0EDCB}" type="slidenum">
               <a:t>&lt;#&gt;</a:t>
             </a:fld>
           </a:p>
@@ -6753,7 +6757,7 @@
         <p:txBody>
           <a:bodyPr/>
           <a:p>
-            <a:fld id="{9E3E78A6-B93A-4FB8-B795-01F1F3F652B0}" type="slidenum">
+            <a:fld id="{CE855EC5-36EA-4310-B329-E03D69B61730}" type="slidenum">
               <a:t>&lt;#&gt;</a:t>
             </a:fld>
           </a:p>
@@ -7005,7 +7009,7 @@
         <p:txBody>
           <a:bodyPr/>
           <a:p>
-            <a:fld id="{04FBE46D-767B-4D24-B9A0-D705CCC6FF64}" type="slidenum">
+            <a:fld id="{86927447-45BB-48AE-981B-691BBB6957B0}" type="slidenum">
               <a:t>&lt;#&gt;</a:t>
             </a:fld>
           </a:p>
@@ -7257,7 +7261,7 @@
         <p:txBody>
           <a:bodyPr/>
           <a:p>
-            <a:fld id="{9E52F6AA-3F2D-4A09-8ACA-30CF8FBF9AF7}" type="slidenum">
+            <a:fld id="{5110878A-0AD4-4DCC-A0C2-190C06A6BE4E}" type="slidenum">
               <a:t>&lt;#&gt;</a:t>
             </a:fld>
           </a:p>
@@ -7509,7 +7513,7 @@
         <p:txBody>
           <a:bodyPr/>
           <a:p>
-            <a:fld id="{F91B6DF3-0CAB-43C5-99D2-B77BD880D9FD}" type="slidenum">
+            <a:fld id="{32A52460-A113-425E-BC6E-A1D3D4DC7846}" type="slidenum">
               <a:t>&lt;#&gt;</a:t>
             </a:fld>
           </a:p>
@@ -7579,7 +7583,7 @@
         <p:spPr>
           <a:xfrm>
             <a:off x="3447360" y="5164920"/>
-            <a:ext cx="3193920" cy="389520"/>
+            <a:ext cx="3193560" cy="389160"/>
           </a:xfrm>
           <a:prstGeom prst="rect">
             <a:avLst/>
@@ -7627,7 +7631,7 @@
                 </a:solidFill>
                 <a:latin typeface="Arial"/>
               </a:rPr>
-              <a:t> </a:t>
+              <a:t>&lt;долен колонтитул&gt;</a:t>
             </a:r>
             <a:endParaRPr b="0" lang="bg-BG" sz="1400" spc="-1" strike="noStrike">
               <a:solidFill>
@@ -7651,7 +7655,7 @@
         <p:spPr>
           <a:xfrm>
             <a:off x="7227360" y="5164920"/>
-            <a:ext cx="2347200" cy="389520"/>
+            <a:ext cx="2346840" cy="389160"/>
           </a:xfrm>
           <a:prstGeom prst="rect">
             <a:avLst/>
@@ -7692,14 +7696,14 @@
                 <a:tab algn="l" pos="0"/>
               </a:tabLst>
             </a:pPr>
-            <a:fld id="{DCB2BC10-5AFB-4AD2-91BA-E770EAA79005}" type="slidenum">
+            <a:fld id="{B0FE7908-6C28-4612-B825-95AEBA773427}" type="slidenum">
               <a:rPr b="0" lang="bg-BG" sz="1400" spc="-1" strike="noStrike">
                 <a:solidFill>
                   <a:srgbClr val="ffffff"/>
                 </a:solidFill>
                 <a:latin typeface="Arial"/>
               </a:rPr>
-              <a:t>6</a:t>
+              <a:t>&lt;число&gt;</a:t>
             </a:fld>
             <a:endParaRPr b="0" lang="bg-BG" sz="1400" spc="-1" strike="noStrike">
               <a:solidFill>
@@ -7723,7 +7727,7 @@
         <p:spPr>
           <a:xfrm>
             <a:off x="504000" y="5164920"/>
-            <a:ext cx="2347200" cy="389520"/>
+            <a:ext cx="2346840" cy="389160"/>
           </a:xfrm>
           <a:prstGeom prst="rect">
             <a:avLst/>
@@ -7759,7 +7763,7 @@
                 </a:solidFill>
                 <a:latin typeface="Times New Roman"/>
               </a:rPr>
-              <a:t> </a:t>
+              <a:t>&lt;дата/час&gt;</a:t>
             </a:r>
             <a:endParaRPr b="0" lang="bg-BG" sz="1400" spc="-1" strike="noStrike">
               <a:solidFill>
@@ -8102,7 +8106,7 @@
         <p:spPr>
           <a:xfrm>
             <a:off x="3447360" y="5165280"/>
-            <a:ext cx="3193920" cy="389880"/>
+            <a:ext cx="3193560" cy="389520"/>
           </a:xfrm>
           <a:prstGeom prst="rect">
             <a:avLst/>
@@ -8174,7 +8178,7 @@
         <p:spPr>
           <a:xfrm>
             <a:off x="7227360" y="5165280"/>
-            <a:ext cx="2347200" cy="389880"/>
+            <a:ext cx="2346840" cy="389520"/>
           </a:xfrm>
           <a:prstGeom prst="rect">
             <a:avLst/>
@@ -8215,7 +8219,7 @@
                 <a:tab algn="l" pos="0"/>
               </a:tabLst>
             </a:pPr>
-            <a:fld id="{FB8AFA2F-98F9-498B-B1E6-EB6C8224E4FE}" type="slidenum">
+            <a:fld id="{3CF8474E-5174-427C-B97F-44F627E4E319}" type="slidenum">
               <a:rPr b="0" lang="bg-BG" sz="1400" spc="-1" strike="noStrike">
                 <a:solidFill>
                   <a:srgbClr val="000000"/>
@@ -8246,7 +8250,7 @@
         <p:spPr>
           <a:xfrm>
             <a:off x="504000" y="5165280"/>
-            <a:ext cx="2347200" cy="389880"/>
+            <a:ext cx="2346840" cy="389520"/>
           </a:xfrm>
           <a:prstGeom prst="rect">
             <a:avLst/>
@@ -8625,7 +8629,7 @@
         <p:spPr>
           <a:xfrm>
             <a:off x="3447360" y="5164920"/>
-            <a:ext cx="3193920" cy="389520"/>
+            <a:ext cx="3193560" cy="389160"/>
           </a:xfrm>
           <a:prstGeom prst="rect">
             <a:avLst/>
@@ -8697,7 +8701,7 @@
         <p:spPr>
           <a:xfrm>
             <a:off x="7227360" y="5164920"/>
-            <a:ext cx="2347200" cy="389520"/>
+            <a:ext cx="2346840" cy="389160"/>
           </a:xfrm>
           <a:prstGeom prst="rect">
             <a:avLst/>
@@ -8738,7 +8742,7 @@
                 <a:tab algn="l" pos="0"/>
               </a:tabLst>
             </a:pPr>
-            <a:fld id="{9E23772E-4014-4C9D-AD05-CCAFB0639F27}" type="slidenum">
+            <a:fld id="{585879CE-6BA7-4C60-95A9-6DF86946DD50}" type="slidenum">
               <a:rPr b="0" lang="bg-BG" sz="1400" spc="-1" strike="noStrike">
                 <a:solidFill>
                   <a:srgbClr val="ffffff"/>
@@ -8769,7 +8773,7 @@
         <p:spPr>
           <a:xfrm>
             <a:off x="504000" y="5164920"/>
-            <a:ext cx="2347200" cy="389520"/>
+            <a:ext cx="2346840" cy="389160"/>
           </a:xfrm>
           <a:prstGeom prst="rect">
             <a:avLst/>
@@ -9140,7 +9144,7 @@
         <p:spPr>
           <a:xfrm>
             <a:off x="504000" y="810000"/>
-            <a:ext cx="9070560" cy="1294920"/>
+            <a:ext cx="9070200" cy="1294560"/>
           </a:xfrm>
           <a:prstGeom prst="rect">
             <a:avLst/>
@@ -9207,7 +9211,7 @@
         <p:spPr>
           <a:xfrm>
             <a:off x="504000" y="2376000"/>
-            <a:ext cx="9070560" cy="2752920"/>
+            <a:ext cx="9070200" cy="2752560"/>
           </a:xfrm>
           <a:prstGeom prst="rect">
             <a:avLst/>
@@ -9279,6 +9283,59 @@
           <a:chExt cx="0" cy="0"/>
         </a:xfrm>
       </p:grpSpPr>
+      <p:pic>
+        <p:nvPicPr>
+          <p:cNvPr id="138" name="" descr=""/>
+          <p:cNvPicPr/>
+          <p:nvPr/>
+        </p:nvPicPr>
+        <p:blipFill>
+          <a:blip r:embed="rId1"/>
+          <a:stretch/>
+        </p:blipFill>
+        <p:spPr>
+          <a:xfrm>
+            <a:off x="2029320" y="571680"/>
+            <a:ext cx="6095520" cy="4571640"/>
+          </a:xfrm>
+          <a:prstGeom prst="rect">
+            <a:avLst/>
+          </a:prstGeom>
+          <a:ln w="0">
+            <a:noFill/>
+          </a:ln>
+        </p:spPr>
+      </p:pic>
+    </p:spTree>
+  </p:cSld>
+  <mc:AlternateContent>
+    <mc:Choice Requires="p14">
+      <p:transition spd="slow" p14:dur="2000"/>
+    </mc:Choice>
+    <mc:Fallback>
+      <p:transition spd="slow"/>
+    </mc:Fallback>
+  </mc:AlternateContent>
+</p:sld>
+</file>
+
+<file path=ppt/slides/slide11.xml><?xml version="1.0" encoding="utf-8"?>
+<p:sld xmlns:a="http://schemas.openxmlformats.org/drawingml/2006/main" xmlns:p="http://schemas.openxmlformats.org/presentationml/2006/main" xmlns:r="http://schemas.openxmlformats.org/officeDocument/2006/relationships" xmlns:p14="http://schemas.microsoft.com/office/powerpoint/2010/main" xmlns:p15="http://schemas.microsoft.com/office/powerpoint/2012/main" xmlns:mc="http://schemas.openxmlformats.org/markup-compatibility/2006">
+  <p:cSld>
+    <p:spTree>
+      <p:nvGrpSpPr>
+        <p:cNvPr id="1" name=""/>
+        <p:cNvGrpSpPr/>
+        <p:nvPr/>
+      </p:nvGrpSpPr>
+      <p:grpSpPr>
+        <a:xfrm>
+          <a:off x="0" y="0"/>
+          <a:ext cx="0" cy="0"/>
+          <a:chOff x="0" y="0"/>
+          <a:chExt cx="0" cy="0"/>
+        </a:xfrm>
+      </p:grpSpPr>
       <p:sp>
         <p:nvSpPr>
           <p:cNvPr id="139" name="PlaceHolder 1"/>
@@ -9291,8 +9348,727 @@
         </p:nvSpPr>
         <p:spPr>
           <a:xfrm>
+            <a:off x="504000" y="225720"/>
+            <a:ext cx="9070200" cy="945360"/>
+          </a:xfrm>
+          <a:prstGeom prst="rect">
+            <a:avLst/>
+          </a:prstGeom>
+          <a:noFill/>
+          <a:ln w="0">
+            <a:noFill/>
+          </a:ln>
+        </p:spPr>
+        <p:txBody>
+          <a:bodyPr lIns="0" rIns="0" tIns="0" bIns="0" anchor="ctr">
+            <a:noAutofit/>
+          </a:bodyPr>
+          <a:p>
+            <a:pPr indent="0" algn="ctr">
+              <a:buNone/>
+            </a:pPr>
+            <a:r>
+              <a:rPr b="0" lang="bg-BG" sz="4400" spc="-1" strike="noStrike">
+                <a:solidFill>
+                  <a:srgbClr val="000000"/>
+                </a:solidFill>
+                <a:latin typeface="Arial"/>
+              </a:rPr>
+              <a:t>Предимства</a:t>
+            </a:r>
+            <a:endParaRPr b="0" lang="bg-BG" sz="4400" spc="-1" strike="noStrike">
+              <a:solidFill>
+                <a:srgbClr val="000000"/>
+              </a:solidFill>
+              <a:latin typeface="Arial"/>
+            </a:endParaRPr>
+          </a:p>
+        </p:txBody>
+      </p:sp>
+      <p:sp>
+        <p:nvSpPr>
+          <p:cNvPr id="140" name="PlaceHolder 2"/>
+          <p:cNvSpPr>
+            <a:spLocks noGrp="1"/>
+          </p:cNvSpPr>
+          <p:nvPr>
+            <p:ph/>
+          </p:nvPr>
+        </p:nvSpPr>
+        <p:spPr>
+          <a:xfrm>
+            <a:off x="504000" y="1326600"/>
+            <a:ext cx="9070200" cy="3286800"/>
+          </a:xfrm>
+          <a:prstGeom prst="rect">
+            <a:avLst/>
+          </a:prstGeom>
+          <a:noFill/>
+          <a:ln w="0">
+            <a:noFill/>
+          </a:ln>
+        </p:spPr>
+        <p:txBody>
+          <a:bodyPr lIns="0" rIns="0" tIns="0" bIns="0" anchor="t">
+            <a:normAutofit/>
+          </a:bodyPr>
+          <a:p>
+            <a:pPr indent="-324000">
+              <a:lnSpc>
+                <a:spcPct val="100000"/>
+              </a:lnSpc>
+              <a:buClr>
+                <a:srgbClr val="000000"/>
+              </a:buClr>
+              <a:buFont typeface="Wingdings" charset="2"/>
+              <a:buChar char=""/>
+            </a:pPr>
+            <a:r>
+              <a:rPr b="0" lang="bg-BG" sz="1800" spc="-1" strike="noStrike">
+                <a:solidFill>
+                  <a:srgbClr val="000000"/>
+                </a:solidFill>
+                <a:latin typeface="Arial"/>
+              </a:rPr>
+              <a:t>    </a:t>
+            </a:r>
+            <a:r>
+              <a:rPr b="0" lang="bg-BG" sz="1800" spc="-1" strike="noStrike">
+                <a:solidFill>
+                  <a:srgbClr val="000000"/>
+                </a:solidFill>
+                <a:latin typeface="Arial"/>
+              </a:rPr>
+              <a:t>Ефективен в високоизмерни пространства.</a:t>
+            </a:r>
+            <a:endParaRPr b="0" lang="bg-BG" sz="1800" spc="-1" strike="noStrike">
+              <a:solidFill>
+                <a:srgbClr val="000000"/>
+              </a:solidFill>
+              <a:latin typeface="Arial"/>
+            </a:endParaRPr>
+          </a:p>
+          <a:p>
+            <a:pPr indent="0">
+              <a:lnSpc>
+                <a:spcPct val="100000"/>
+              </a:lnSpc>
+              <a:buNone/>
+            </a:pPr>
+            <a:r>
+              <a:rPr b="0" lang="bg-BG" sz="1800" spc="-1" strike="noStrike">
+                <a:solidFill>
+                  <a:srgbClr val="000000"/>
+                </a:solidFill>
+                <a:latin typeface="Arial"/>
+              </a:rPr>
+              <a:t> </a:t>
+            </a:r>
+            <a:endParaRPr b="0" lang="bg-BG" sz="1800" spc="-1" strike="noStrike">
+              <a:solidFill>
+                <a:srgbClr val="000000"/>
+              </a:solidFill>
+              <a:latin typeface="Arial"/>
+            </a:endParaRPr>
+          </a:p>
+          <a:p>
+            <a:pPr indent="-324000">
+              <a:lnSpc>
+                <a:spcPct val="100000"/>
+              </a:lnSpc>
+              <a:buClr>
+                <a:srgbClr val="000000"/>
+              </a:buClr>
+              <a:buFont typeface="Wingdings" charset="2"/>
+              <a:buChar char=""/>
+            </a:pPr>
+            <a:r>
+              <a:rPr b="0" lang="bg-BG" sz="1800" spc="-1" strike="noStrike">
+                <a:solidFill>
+                  <a:srgbClr val="000000"/>
+                </a:solidFill>
+                <a:latin typeface="Arial"/>
+              </a:rPr>
+              <a:t>    </a:t>
+            </a:r>
+            <a:r>
+              <a:rPr b="0" lang="bg-BG" sz="1800" spc="-1" strike="noStrike">
+                <a:solidFill>
+                  <a:srgbClr val="000000"/>
+                </a:solidFill>
+                <a:latin typeface="Arial"/>
+              </a:rPr>
+              <a:t>Все още ефективен в случаите, когато броят на размерите е по-голям отколкото броят на пробите.</a:t>
+            </a:r>
+            <a:endParaRPr b="0" lang="bg-BG" sz="1800" spc="-1" strike="noStrike">
+              <a:solidFill>
+                <a:srgbClr val="000000"/>
+              </a:solidFill>
+              <a:latin typeface="Arial"/>
+            </a:endParaRPr>
+          </a:p>
+          <a:p>
+            <a:pPr indent="0">
+              <a:lnSpc>
+                <a:spcPct val="100000"/>
+              </a:lnSpc>
+              <a:buNone/>
+            </a:pPr>
+            <a:r>
+              <a:rPr b="0" lang="bg-BG" sz="1800" spc="-1" strike="noStrike">
+                <a:solidFill>
+                  <a:srgbClr val="000000"/>
+                </a:solidFill>
+                <a:latin typeface="Arial"/>
+              </a:rPr>
+              <a:t> </a:t>
+            </a:r>
+            <a:endParaRPr b="0" lang="bg-BG" sz="1800" spc="-1" strike="noStrike">
+              <a:solidFill>
+                <a:srgbClr val="000000"/>
+              </a:solidFill>
+              <a:latin typeface="Arial"/>
+            </a:endParaRPr>
+          </a:p>
+          <a:p>
+            <a:pPr indent="-324000">
+              <a:lnSpc>
+                <a:spcPct val="100000"/>
+              </a:lnSpc>
+              <a:buClr>
+                <a:srgbClr val="000000"/>
+              </a:buClr>
+              <a:buFont typeface="Wingdings" charset="2"/>
+              <a:buChar char=""/>
+            </a:pPr>
+            <a:r>
+              <a:rPr b="0" lang="bg-BG" sz="1800" spc="-1" strike="noStrike">
+                <a:solidFill>
+                  <a:srgbClr val="000000"/>
+                </a:solidFill>
+                <a:latin typeface="Arial"/>
+              </a:rPr>
+              <a:t>    </a:t>
+            </a:r>
+            <a:r>
+              <a:rPr b="0" lang="bg-BG" sz="1800" spc="-1" strike="noStrike">
+                <a:solidFill>
+                  <a:srgbClr val="000000"/>
+                </a:solidFill>
+                <a:latin typeface="Arial"/>
+              </a:rPr>
+              <a:t>Използва подмножество точки на обучение във функцията за вземане на решения (наречена поддържа вектори), така че тя също е ефективна памет.</a:t>
+            </a:r>
+            <a:endParaRPr b="0" lang="bg-BG" sz="1800" spc="-1" strike="noStrike">
+              <a:solidFill>
+                <a:srgbClr val="000000"/>
+              </a:solidFill>
+              <a:latin typeface="Arial"/>
+            </a:endParaRPr>
+          </a:p>
+          <a:p>
+            <a:pPr indent="0">
+              <a:lnSpc>
+                <a:spcPct val="100000"/>
+              </a:lnSpc>
+              <a:buNone/>
+            </a:pPr>
+            <a:r>
+              <a:rPr b="0" lang="bg-BG" sz="1800" spc="-1" strike="noStrike">
+                <a:solidFill>
+                  <a:srgbClr val="000000"/>
+                </a:solidFill>
+                <a:latin typeface="Arial"/>
+              </a:rPr>
+              <a:t> </a:t>
+            </a:r>
+            <a:endParaRPr b="0" lang="bg-BG" sz="1800" spc="-1" strike="noStrike">
+              <a:solidFill>
+                <a:srgbClr val="000000"/>
+              </a:solidFill>
+              <a:latin typeface="Arial"/>
+            </a:endParaRPr>
+          </a:p>
+          <a:p>
+            <a:pPr indent="-324000">
+              <a:lnSpc>
+                <a:spcPct val="100000"/>
+              </a:lnSpc>
+              <a:buClr>
+                <a:srgbClr val="000000"/>
+              </a:buClr>
+              <a:buFont typeface="Wingdings" charset="2"/>
+              <a:buChar char=""/>
+            </a:pPr>
+            <a:r>
+              <a:rPr b="0" lang="bg-BG" sz="1800" spc="-1" strike="noStrike">
+                <a:solidFill>
+                  <a:srgbClr val="000000"/>
+                </a:solidFill>
+                <a:latin typeface="Arial"/>
+              </a:rPr>
+              <a:t>    </a:t>
+            </a:r>
+            <a:r>
+              <a:rPr b="0" lang="bg-BG" sz="1800" spc="-1" strike="noStrike">
+                <a:solidFill>
+                  <a:srgbClr val="000000"/>
+                </a:solidFill>
+                <a:latin typeface="Arial"/>
+              </a:rPr>
+              <a:t>Универсална: различните функции на ядрото могат да бъдат определен за функцията на вземане на решение. Общите ядки са предоставени, но също така е възможно да се определят персонализирани ядра.</a:t>
+            </a:r>
+            <a:endParaRPr b="0" lang="bg-BG" sz="1800" spc="-1" strike="noStrike">
+              <a:solidFill>
+                <a:srgbClr val="000000"/>
+              </a:solidFill>
+              <a:latin typeface="Arial"/>
+            </a:endParaRPr>
+          </a:p>
+        </p:txBody>
+      </p:sp>
+    </p:spTree>
+  </p:cSld>
+  <mc:AlternateContent>
+    <mc:Choice Requires="p14">
+      <p:transition spd="slow" p14:dur="2000"/>
+    </mc:Choice>
+    <mc:Fallback>
+      <p:transition spd="slow"/>
+    </mc:Fallback>
+  </mc:AlternateContent>
+</p:sld>
+</file>
+
+<file path=ppt/slides/slide12.xml><?xml version="1.0" encoding="utf-8"?>
+<p:sld xmlns:a="http://schemas.openxmlformats.org/drawingml/2006/main" xmlns:p="http://schemas.openxmlformats.org/presentationml/2006/main" xmlns:r="http://schemas.openxmlformats.org/officeDocument/2006/relationships" xmlns:p14="http://schemas.microsoft.com/office/powerpoint/2010/main" xmlns:p15="http://schemas.microsoft.com/office/powerpoint/2012/main" xmlns:mc="http://schemas.openxmlformats.org/markup-compatibility/2006">
+  <p:cSld>
+    <p:spTree>
+      <p:nvGrpSpPr>
+        <p:cNvPr id="1" name=""/>
+        <p:cNvGrpSpPr/>
+        <p:nvPr/>
+      </p:nvGrpSpPr>
+      <p:grpSpPr>
+        <a:xfrm>
+          <a:off x="0" y="0"/>
+          <a:ext cx="0" cy="0"/>
+          <a:chOff x="0" y="0"/>
+          <a:chExt cx="0" cy="0"/>
+        </a:xfrm>
+      </p:grpSpPr>
+      <p:sp>
+        <p:nvSpPr>
+          <p:cNvPr id="141" name="PlaceHolder 1"/>
+          <p:cNvSpPr>
+            <a:spLocks noGrp="1"/>
+          </p:cNvSpPr>
+          <p:nvPr>
+            <p:ph type="title"/>
+          </p:nvPr>
+        </p:nvSpPr>
+        <p:spPr>
+          <a:xfrm>
+            <a:off x="504000" y="225720"/>
+            <a:ext cx="9070200" cy="945360"/>
+          </a:xfrm>
+          <a:prstGeom prst="rect">
+            <a:avLst/>
+          </a:prstGeom>
+          <a:noFill/>
+          <a:ln w="0">
+            <a:noFill/>
+          </a:ln>
+        </p:spPr>
+        <p:txBody>
+          <a:bodyPr lIns="0" rIns="0" tIns="0" bIns="0" anchor="ctr">
+            <a:noAutofit/>
+          </a:bodyPr>
+          <a:p>
+            <a:pPr indent="0">
+              <a:lnSpc>
+                <a:spcPct val="100000"/>
+              </a:lnSpc>
+              <a:buNone/>
+            </a:pPr>
+            <a:r>
+              <a:rPr b="0" lang="bg-BG" sz="1800" spc="-1" strike="noStrike">
+                <a:solidFill>
+                  <a:srgbClr val="000000"/>
+                </a:solidFill>
+                <a:latin typeface="Arial"/>
+              </a:rPr>
+              <a:t>Недостатъци</a:t>
+            </a:r>
+            <a:endParaRPr b="0" lang="bg-BG" sz="1800" spc="-1" strike="noStrike">
+              <a:solidFill>
+                <a:srgbClr val="000000"/>
+              </a:solidFill>
+              <a:latin typeface="Arial"/>
+            </a:endParaRPr>
+          </a:p>
+        </p:txBody>
+      </p:sp>
+      <p:sp>
+        <p:nvSpPr>
+          <p:cNvPr id="142" name="PlaceHolder 2"/>
+          <p:cNvSpPr>
+            <a:spLocks noGrp="1"/>
+          </p:cNvSpPr>
+          <p:nvPr>
+            <p:ph/>
+          </p:nvPr>
+        </p:nvSpPr>
+        <p:spPr>
+          <a:xfrm>
+            <a:off x="504000" y="1326600"/>
+            <a:ext cx="9070200" cy="3286800"/>
+          </a:xfrm>
+          <a:prstGeom prst="rect">
+            <a:avLst/>
+          </a:prstGeom>
+          <a:noFill/>
+          <a:ln w="0">
+            <a:noFill/>
+          </a:ln>
+        </p:spPr>
+        <p:txBody>
+          <a:bodyPr lIns="0" rIns="0" tIns="0" bIns="0" anchor="t">
+            <a:normAutofit/>
+          </a:bodyPr>
+          <a:p>
+            <a:pPr indent="-324000">
+              <a:lnSpc>
+                <a:spcPct val="100000"/>
+              </a:lnSpc>
+              <a:buClr>
+                <a:srgbClr val="000000"/>
+              </a:buClr>
+              <a:buFont typeface="Wingdings" charset="2"/>
+              <a:buChar char=""/>
+            </a:pPr>
+            <a:r>
+              <a:rPr b="0" lang="bg-BG" sz="1800" spc="-1" strike="noStrike">
+                <a:solidFill>
+                  <a:srgbClr val="000000"/>
+                </a:solidFill>
+                <a:latin typeface="Arial"/>
+              </a:rPr>
+              <a:t>    </a:t>
+            </a:r>
+            <a:r>
+              <a:rPr b="0" lang="bg-BG" sz="1800" spc="-1" strike="noStrike">
+                <a:solidFill>
+                  <a:srgbClr val="000000"/>
+                </a:solidFill>
+                <a:latin typeface="Arial"/>
+              </a:rPr>
+              <a:t>Ако броят на функциите е много по-голям от броя на проби, избягвайте преоборудването при избора на ядрото и узаконяването Срокът е от решаващо значение.</a:t>
+            </a:r>
+            <a:endParaRPr b="0" lang="bg-BG" sz="1800" spc="-1" strike="noStrike">
+              <a:solidFill>
+                <a:srgbClr val="000000"/>
+              </a:solidFill>
+              <a:latin typeface="Arial"/>
+            </a:endParaRPr>
+          </a:p>
+          <a:p>
+            <a:pPr indent="0">
+              <a:lnSpc>
+                <a:spcPct val="100000"/>
+              </a:lnSpc>
+              <a:buNone/>
+            </a:pPr>
+            <a:r>
+              <a:rPr b="0" lang="bg-BG" sz="1800" spc="-1" strike="noStrike">
+                <a:solidFill>
+                  <a:srgbClr val="000000"/>
+                </a:solidFill>
+                <a:latin typeface="Arial"/>
+              </a:rPr>
+              <a:t> </a:t>
+            </a:r>
+            <a:endParaRPr b="0" lang="bg-BG" sz="1800" spc="-1" strike="noStrike">
+              <a:solidFill>
+                <a:srgbClr val="000000"/>
+              </a:solidFill>
+              <a:latin typeface="Arial"/>
+            </a:endParaRPr>
+          </a:p>
+          <a:p>
+            <a:pPr indent="-324000">
+              <a:lnSpc>
+                <a:spcPct val="100000"/>
+              </a:lnSpc>
+              <a:buClr>
+                <a:srgbClr val="000000"/>
+              </a:buClr>
+              <a:buFont typeface="Wingdings" charset="2"/>
+              <a:buChar char=""/>
+            </a:pPr>
+            <a:r>
+              <a:rPr b="0" lang="bg-BG" sz="1800" spc="-1" strike="noStrike">
+                <a:solidFill>
+                  <a:srgbClr val="000000"/>
+                </a:solidFill>
+                <a:latin typeface="Arial"/>
+              </a:rPr>
+              <a:t>    </a:t>
+            </a:r>
+            <a:r>
+              <a:rPr b="0" lang="bg-BG" sz="1800" spc="-1" strike="noStrike">
+                <a:solidFill>
+                  <a:srgbClr val="000000"/>
+                </a:solidFill>
+                <a:latin typeface="Arial"/>
+              </a:rPr>
+              <a:t>SVMs не предоставят директно вероятностни оценки, това са Изчислено, като се използва скъпо петкратно кръстосано валидиране .</a:t>
+            </a:r>
+            <a:endParaRPr b="0" lang="bg-BG" sz="1800" spc="-1" strike="noStrike">
+              <a:solidFill>
+                <a:srgbClr val="000000"/>
+              </a:solidFill>
+              <a:latin typeface="Arial"/>
+            </a:endParaRPr>
+          </a:p>
+        </p:txBody>
+      </p:sp>
+    </p:spTree>
+  </p:cSld>
+  <mc:AlternateContent>
+    <mc:Choice Requires="p14">
+      <p:transition spd="slow" p14:dur="2000"/>
+    </mc:Choice>
+    <mc:Fallback>
+      <p:transition spd="slow"/>
+    </mc:Fallback>
+  </mc:AlternateContent>
+</p:sld>
+</file>
+
+<file path=ppt/slides/slide13.xml><?xml version="1.0" encoding="utf-8"?>
+<p:sld xmlns:a="http://schemas.openxmlformats.org/drawingml/2006/main" xmlns:p="http://schemas.openxmlformats.org/presentationml/2006/main" xmlns:r="http://schemas.openxmlformats.org/officeDocument/2006/relationships" xmlns:p14="http://schemas.microsoft.com/office/powerpoint/2010/main" xmlns:p15="http://schemas.microsoft.com/office/powerpoint/2012/main" xmlns:mc="http://schemas.openxmlformats.org/markup-compatibility/2006">
+  <p:cSld>
+    <p:spTree>
+      <p:nvGrpSpPr>
+        <p:cNvPr id="1" name=""/>
+        <p:cNvGrpSpPr/>
+        <p:nvPr/>
+      </p:nvGrpSpPr>
+      <p:grpSpPr>
+        <a:xfrm>
+          <a:off x="0" y="0"/>
+          <a:ext cx="0" cy="0"/>
+          <a:chOff x="0" y="0"/>
+          <a:chExt cx="0" cy="0"/>
+        </a:xfrm>
+      </p:grpSpPr>
+      <p:sp>
+        <p:nvSpPr>
+          <p:cNvPr id="143" name="PlaceHolder 1"/>
+          <p:cNvSpPr>
+            <a:spLocks noGrp="1"/>
+          </p:cNvSpPr>
+          <p:nvPr>
+            <p:ph type="title"/>
+          </p:nvPr>
+        </p:nvSpPr>
+        <p:spPr>
+          <a:xfrm>
+            <a:off x="504000" y="225720"/>
+            <a:ext cx="9070200" cy="945360"/>
+          </a:xfrm>
+          <a:prstGeom prst="rect">
+            <a:avLst/>
+          </a:prstGeom>
+          <a:noFill/>
+          <a:ln w="0">
+            <a:noFill/>
+          </a:ln>
+        </p:spPr>
+        <p:txBody>
+          <a:bodyPr lIns="0" rIns="0" tIns="0" bIns="0" anchor="ctr">
+            <a:noAutofit/>
+          </a:bodyPr>
+          <a:p>
+            <a:pPr indent="0">
+              <a:lnSpc>
+                <a:spcPct val="100000"/>
+              </a:lnSpc>
+              <a:buNone/>
+              <a:tabLst>
+                <a:tab algn="l" pos="0"/>
+              </a:tabLst>
+            </a:pPr>
+            <a:r>
+              <a:rPr b="0" lang="bg-BG" sz="1800" spc="-1" strike="noStrike">
+                <a:solidFill>
+                  <a:srgbClr val="000000"/>
+                </a:solidFill>
+                <a:latin typeface="Arial"/>
+              </a:rPr>
+              <a:t>Примерна реализация на алгоритмите</a:t>
+            </a:r>
+            <a:endParaRPr b="0" lang="bg-BG" sz="1800" spc="-1" strike="noStrike">
+              <a:solidFill>
+                <a:srgbClr val="000000"/>
+              </a:solidFill>
+              <a:latin typeface="Arial"/>
+            </a:endParaRPr>
+          </a:p>
+        </p:txBody>
+      </p:sp>
+      <p:sp>
+        <p:nvSpPr>
+          <p:cNvPr id="144" name="PlaceHolder 2"/>
+          <p:cNvSpPr>
+            <a:spLocks noGrp="1"/>
+          </p:cNvSpPr>
+          <p:nvPr>
+            <p:ph/>
+          </p:nvPr>
+        </p:nvSpPr>
+        <p:spPr>
+          <a:xfrm>
+            <a:off x="504000" y="1326600"/>
+            <a:ext cx="9070200" cy="3286800"/>
+          </a:xfrm>
+          <a:prstGeom prst="rect">
+            <a:avLst/>
+          </a:prstGeom>
+          <a:noFill/>
+          <a:ln w="0">
+            <a:noFill/>
+          </a:ln>
+        </p:spPr>
+        <p:txBody>
+          <a:bodyPr lIns="0" rIns="0" tIns="0" bIns="0" anchor="t">
+            <a:normAutofit/>
+          </a:bodyPr>
+          <a:p>
+            <a:pPr marL="432000" indent="-324000">
+              <a:lnSpc>
+                <a:spcPct val="100000"/>
+              </a:lnSpc>
+              <a:buClr>
+                <a:srgbClr val="000000"/>
+              </a:buClr>
+              <a:buFont typeface="Wingdings" charset="2"/>
+              <a:buChar char=""/>
+            </a:pPr>
+            <a:r>
+              <a:rPr b="0" lang="bg-BG" sz="1800" spc="-1" strike="noStrike" u="sng">
+                <a:solidFill>
+                  <a:srgbClr val="0000ff"/>
+                </a:solidFill>
+                <a:uFillTx/>
+                <a:latin typeface="Arial"/>
+                <a:hlinkClick r:id="rId1"/>
+              </a:rPr>
+              <a:t>Random Forest</a:t>
+            </a:r>
+            <a:endParaRPr b="0" lang="bg-BG" sz="1800" spc="-1" strike="noStrike">
+              <a:solidFill>
+                <a:srgbClr val="000000"/>
+              </a:solidFill>
+              <a:latin typeface="Arial"/>
+            </a:endParaRPr>
+          </a:p>
+          <a:p>
+            <a:pPr indent="0">
+              <a:lnSpc>
+                <a:spcPct val="100000"/>
+              </a:lnSpc>
+              <a:buNone/>
+              <a:tabLst>
+                <a:tab algn="l" pos="0"/>
+              </a:tabLst>
+            </a:pPr>
+            <a:endParaRPr b="0" lang="bg-BG" sz="1800" spc="-1" strike="noStrike">
+              <a:solidFill>
+                <a:srgbClr val="000000"/>
+              </a:solidFill>
+              <a:latin typeface="Arial"/>
+            </a:endParaRPr>
+          </a:p>
+          <a:p>
+            <a:pPr marL="432000" indent="-324000">
+              <a:lnSpc>
+                <a:spcPct val="100000"/>
+              </a:lnSpc>
+              <a:buClr>
+                <a:srgbClr val="000000"/>
+              </a:buClr>
+              <a:buFont typeface="Wingdings" charset="2"/>
+              <a:buChar char=""/>
+              <a:tabLst>
+                <a:tab algn="l" pos="0"/>
+              </a:tabLst>
+            </a:pPr>
+            <a:r>
+              <a:rPr b="0" lang="bg-BG" sz="1800" spc="-1" strike="noStrike" u="sng">
+                <a:solidFill>
+                  <a:srgbClr val="0000ff"/>
+                </a:solidFill>
+                <a:uFillTx/>
+                <a:latin typeface="Arial"/>
+                <a:hlinkClick r:id="rId2"/>
+              </a:rPr>
+              <a:t>SVM</a:t>
+            </a:r>
+            <a:endParaRPr b="0" lang="bg-BG" sz="1800" spc="-1" strike="noStrike">
+              <a:solidFill>
+                <a:srgbClr val="000000"/>
+              </a:solidFill>
+              <a:latin typeface="Arial"/>
+            </a:endParaRPr>
+          </a:p>
+        </p:txBody>
+      </p:sp>
+    </p:spTree>
+  </p:cSld>
+  <mc:AlternateContent>
+    <mc:Choice Requires="p14">
+      <p:transition spd="slow" p14:dur="2000"/>
+    </mc:Choice>
+    <mc:Fallback>
+      <p:transition spd="slow"/>
+    </mc:Fallback>
+  </mc:AlternateContent>
+</p:sld>
+</file>
+
+<file path=ppt/slides/slide14.xml><?xml version="1.0" encoding="utf-8"?>
+<p:sld xmlns:a="http://schemas.openxmlformats.org/drawingml/2006/main" xmlns:p="http://schemas.openxmlformats.org/presentationml/2006/main" xmlns:r="http://schemas.openxmlformats.org/officeDocument/2006/relationships" xmlns:p14="http://schemas.microsoft.com/office/powerpoint/2010/main" xmlns:p15="http://schemas.microsoft.com/office/powerpoint/2012/main" xmlns:mc="http://schemas.openxmlformats.org/markup-compatibility/2006">
+  <p:cSld>
+    <p:spTree>
+      <p:nvGrpSpPr>
+        <p:cNvPr id="1" name=""/>
+        <p:cNvGrpSpPr/>
+        <p:nvPr/>
+      </p:nvGrpSpPr>
+      <p:grpSpPr>
+        <a:xfrm>
+          <a:off x="0" y="0"/>
+          <a:ext cx="0" cy="0"/>
+          <a:chOff x="0" y="0"/>
+          <a:chExt cx="0" cy="0"/>
+        </a:xfrm>
+      </p:grpSpPr>
+      <p:sp>
+        <p:nvSpPr>
+          <p:cNvPr id="145" name="PlaceHolder 1"/>
+          <p:cNvSpPr>
+            <a:spLocks noGrp="1"/>
+          </p:cNvSpPr>
+          <p:nvPr>
+            <p:ph type="title"/>
+          </p:nvPr>
+        </p:nvSpPr>
+        <p:spPr>
+          <a:xfrm>
             <a:off x="2376000" y="2376000"/>
-            <a:ext cx="7198560" cy="945720"/>
+            <a:ext cx="7198200" cy="945360"/>
           </a:xfrm>
           <a:prstGeom prst="rect">
             <a:avLst/>
@@ -9348,7 +10124,7 @@
       </p:sp>
       <p:pic>
         <p:nvPicPr>
-          <p:cNvPr id="140" name="" descr=""/>
+          <p:cNvPr id="146" name="" descr=""/>
           <p:cNvPicPr/>
           <p:nvPr/>
         </p:nvPicPr>
@@ -9359,7 +10135,7 @@
         <p:spPr>
           <a:xfrm>
             <a:off x="816120" y="2716200"/>
-            <a:ext cx="836640" cy="293760"/>
+            <a:ext cx="836280" cy="293400"/>
           </a:xfrm>
           <a:prstGeom prst="rect">
             <a:avLst/>
@@ -9412,7 +10188,7 @@
         <p:spPr>
           <a:xfrm>
             <a:off x="504000" y="225720"/>
-            <a:ext cx="9070560" cy="945720"/>
+            <a:ext cx="9070200" cy="945360"/>
           </a:xfrm>
           <a:prstGeom prst="rect">
             <a:avLst/>
@@ -9467,7 +10243,7 @@
         <p:spPr>
           <a:xfrm>
             <a:off x="504000" y="1326600"/>
-            <a:ext cx="9070560" cy="3287160"/>
+            <a:ext cx="9070200" cy="3286800"/>
           </a:xfrm>
           <a:prstGeom prst="rect">
             <a:avLst/>
@@ -9577,7 +10353,7 @@
         <p:spPr>
           <a:xfrm>
             <a:off x="504000" y="360000"/>
-            <a:ext cx="9070560" cy="3287160"/>
+            <a:ext cx="9070200" cy="3286800"/>
           </a:xfrm>
           <a:prstGeom prst="rect">
             <a:avLst/>
@@ -9675,7 +10451,7 @@
         <p:spPr>
           <a:xfrm>
             <a:off x="468720" y="312120"/>
-            <a:ext cx="9070560" cy="3287160"/>
+            <a:ext cx="9070200" cy="3286800"/>
           </a:xfrm>
           <a:prstGeom prst="rect">
             <a:avLst/>
@@ -9829,117 +10605,29 @@
           <a:chExt cx="0" cy="0"/>
         </a:xfrm>
       </p:grpSpPr>
-      <p:sp>
-        <p:nvSpPr>
-          <p:cNvPr id="129" name="PlaceHolder 1"/>
-          <p:cNvSpPr>
-            <a:spLocks noGrp="1"/>
-          </p:cNvSpPr>
-          <p:nvPr>
-            <p:ph type="title"/>
-          </p:nvPr>
-        </p:nvSpPr>
-        <p:spPr>
-          <a:xfrm>
-            <a:off x="504000" y="225720"/>
-            <a:ext cx="9070560" cy="945720"/>
-          </a:xfrm>
-          <a:prstGeom prst="rect">
-            <a:avLst/>
-          </a:prstGeom>
-          <a:noFill/>
-          <a:ln w="0">
-            <a:noFill/>
-          </a:ln>
-        </p:spPr>
-        <p:txBody>
-          <a:bodyPr lIns="0" rIns="0" tIns="0" bIns="0" anchor="ctr">
-            <a:noAutofit/>
-          </a:bodyPr>
-          <a:p>
-            <a:pPr indent="0">
-              <a:lnSpc>
-                <a:spcPct val="100000"/>
-              </a:lnSpc>
-              <a:buNone/>
-              <a:tabLst>
-                <a:tab algn="l" pos="0"/>
-              </a:tabLst>
-            </a:pPr>
-            <a:r>
-              <a:rPr b="0" lang="bg-BG" sz="1800" spc="-1" strike="noStrike">
-                <a:solidFill>
-                  <a:srgbClr val="000000"/>
-                </a:solidFill>
-                <a:latin typeface="Arial"/>
-              </a:rPr>
-              <a:t>Защо RL, а не SVM?</a:t>
-            </a:r>
-            <a:endParaRPr b="0" lang="bg-BG" sz="1800" spc="-1" strike="noStrike">
-              <a:solidFill>
-                <a:srgbClr val="000000"/>
-              </a:solidFill>
-              <a:latin typeface="Arial"/>
-            </a:endParaRPr>
-          </a:p>
-        </p:txBody>
-      </p:sp>
-      <p:sp>
-        <p:nvSpPr>
-          <p:cNvPr id="130" name="PlaceHolder 2"/>
-          <p:cNvSpPr>
-            <a:spLocks noGrp="1"/>
-          </p:cNvSpPr>
-          <p:nvPr>
-            <p:ph/>
-          </p:nvPr>
-        </p:nvSpPr>
-        <p:spPr>
-          <a:xfrm>
-            <a:off x="504000" y="1326600"/>
-            <a:ext cx="9070560" cy="3287160"/>
-          </a:xfrm>
-          <a:prstGeom prst="rect">
-            <a:avLst/>
-          </a:prstGeom>
-          <a:noFill/>
-          <a:ln w="0">
-            <a:noFill/>
-          </a:ln>
-        </p:spPr>
-        <p:txBody>
-          <a:bodyPr lIns="0" rIns="0" tIns="0" bIns="0" anchor="t">
-            <a:normAutofit fontScale="94000"/>
-          </a:bodyPr>
-          <a:p>
-            <a:pPr marL="406080" indent="-304560">
-              <a:lnSpc>
-                <a:spcPct val="100000"/>
-              </a:lnSpc>
-              <a:buClr>
-                <a:srgbClr val="000000"/>
-              </a:buClr>
-              <a:buFont typeface="Wingdings" charset="2"/>
-              <a:buChar char=""/>
-            </a:pPr>
-            <a:r>
-              <a:rPr b="0" lang="bg-BG" sz="1800" spc="-1" strike="noStrike">
-                <a:solidFill>
-                  <a:srgbClr val="000000"/>
-                </a:solidFill>
-                <a:latin typeface="Arial"/>
-              </a:rPr>
-              <a:t>Обучението SVM с голямо количество данни за обучение и евентуално шумни входни данни може да доведе до дълго време на обучение и превъзходно. Един случаен класификатор на гората (RF) преодолява тези проблеми. RF е ансамбъл от отделни дървета за вземане на решения. Всяко дърво предсказва клас, а дървото с най-голяма вероятност се избира. Броят на вземанията може да бъде предварително определен. Всяко дърво взема проби от произволна подмножество на входните данни по време на обучението. Значението на резултатите и високият брой на решенията дървета могат да предотвратят превъзходното. Паралелното обучение на дърветата е по-бързо в сравнение с SVM обучение. Въпреки това, времето за прогнозиране се увеличава с броя на дърветата за вземане на решения. RFs оценяват значението на входните характеристики по време на обучението, за да идентифицират най-значимите характеристики в набора от данни.</a:t>
-            </a:r>
-            <a:endParaRPr b="0" lang="bg-BG" sz="1800" spc="-1" strike="noStrike">
-              <a:solidFill>
-                <a:srgbClr val="000000"/>
-              </a:solidFill>
-              <a:latin typeface="Arial"/>
-            </a:endParaRPr>
-          </a:p>
-        </p:txBody>
-      </p:sp>
+      <p:pic>
+        <p:nvPicPr>
+          <p:cNvPr id="129" name="" descr=""/>
+          <p:cNvPicPr/>
+          <p:nvPr/>
+        </p:nvPicPr>
+        <p:blipFill>
+          <a:blip r:embed="rId1"/>
+          <a:stretch/>
+        </p:blipFill>
+        <p:spPr>
+          <a:xfrm>
+            <a:off x="2524320" y="22320"/>
+            <a:ext cx="5105520" cy="5670360"/>
+          </a:xfrm>
+          <a:prstGeom prst="rect">
+            <a:avLst/>
+          </a:prstGeom>
+          <a:ln w="0">
+            <a:noFill/>
+          </a:ln>
+        </p:spPr>
+      </p:pic>
     </p:spTree>
   </p:cSld>
   <mc:AlternateContent>
@@ -9972,7 +10660,7 @@
       </p:grpSpPr>
       <p:sp>
         <p:nvSpPr>
-          <p:cNvPr id="131" name="PlaceHolder 1"/>
+          <p:cNvPr id="130" name="PlaceHolder 1"/>
           <p:cNvSpPr>
             <a:spLocks noGrp="1"/>
           </p:cNvSpPr>
@@ -9982,8 +10670,8 @@
         </p:nvSpPr>
         <p:spPr>
           <a:xfrm>
-            <a:off x="504000" y="225720"/>
-            <a:ext cx="9070560" cy="945720"/>
+            <a:off x="504000" y="226080"/>
+            <a:ext cx="9072000" cy="946440"/>
           </a:xfrm>
           <a:prstGeom prst="rect">
             <a:avLst/>
@@ -9998,36 +10686,30 @@
             <a:noAutofit/>
           </a:bodyPr>
           <a:p>
-            <a:pPr indent="0">
-              <a:lnSpc>
-                <a:spcPct val="100000"/>
-              </a:lnSpc>
-              <a:buNone/>
-              <a:tabLst>
-                <a:tab algn="l" pos="0"/>
-              </a:tabLst>
-            </a:pPr>
-            <a:r>
-              <a:rPr b="0" lang="bg-BG" sz="1800" spc="-1" strike="noStrike">
+            <a:pPr indent="0" algn="ctr">
+              <a:buNone/>
+            </a:pPr>
+            <a:r>
+              <a:rPr b="0" lang="bg-BG" sz="4400" spc="-1" strike="noStrike">
                 <a:solidFill>
                   <a:srgbClr val="000000"/>
                 </a:solidFill>
                 <a:latin typeface="Arial"/>
               </a:rPr>
-              <a:t>Какво е SVM?</a:t>
-            </a:r>
-            <a:endParaRPr b="0" lang="bg-BG" sz="1800" spc="-1" strike="noStrike">
-              <a:solidFill>
-                <a:srgbClr val="000000"/>
-              </a:solidFill>
-              <a:latin typeface="Arial"/>
-            </a:endParaRPr>
-          </a:p>
-        </p:txBody>
-      </p:sp>
-      <p:sp>
-        <p:nvSpPr>
-          <p:cNvPr id="132" name="PlaceHolder 2"/>
+              <a:t>Предимства</a:t>
+            </a:r>
+            <a:endParaRPr b="0" lang="bg-BG" sz="4400" spc="-1" strike="noStrike">
+              <a:solidFill>
+                <a:srgbClr val="000000"/>
+              </a:solidFill>
+              <a:latin typeface="Arial"/>
+            </a:endParaRPr>
+          </a:p>
+        </p:txBody>
+      </p:sp>
+      <p:sp>
+        <p:nvSpPr>
+          <p:cNvPr id="131" name="PlaceHolder 2"/>
           <p:cNvSpPr>
             <a:spLocks noGrp="1"/>
           </p:cNvSpPr>
@@ -10038,7 +10720,7 @@
         <p:spPr>
           <a:xfrm>
             <a:off x="504000" y="1326600"/>
-            <a:ext cx="9070560" cy="3287160"/>
+            <a:ext cx="9072000" cy="3288600"/>
           </a:xfrm>
           <a:prstGeom prst="rect">
             <a:avLst/>
@@ -10050,29 +10732,187 @@
         </p:spPr>
         <p:txBody>
           <a:bodyPr lIns="0" rIns="0" tIns="0" bIns="0" anchor="t">
-            <a:normAutofit/>
-          </a:bodyPr>
-          <a:p>
-            <a:pPr indent="-324000">
-              <a:lnSpc>
-                <a:spcPct val="100000"/>
-              </a:lnSpc>
+            <a:normAutofit fontScale="67000"/>
+          </a:bodyPr>
+          <a:p>
+            <a:pPr marL="289440" indent="-217080">
+              <a:spcBef>
+                <a:spcPts val="1417"/>
+              </a:spcBef>
               <a:buClr>
                 <a:srgbClr val="000000"/>
               </a:buClr>
+              <a:buSzPct val="45000"/>
               <a:buFont typeface="Wingdings" charset="2"/>
               <a:buChar char=""/>
             </a:pPr>
             <a:r>
-              <a:rPr b="0" lang="bg-BG" sz="1800" spc="-1" strike="noStrike">
+              <a:rPr b="0" lang="bg-BG" sz="3200" spc="-1" strike="noStrike">
                 <a:solidFill>
                   <a:srgbClr val="000000"/>
                 </a:solidFill>
                 <a:latin typeface="Arial"/>
               </a:rPr>
-              <a:t>В машинното обучение, поддържайте векторни машини (SVMs) са макс-маргин модели със свързани алгоритми за обучение, които анализират данни за класификация и регресионен анализ. SVMs са едни от най-изучаваните модели, базирани на статистически учебни рамки или , предложена от Vapnik (1982, 1995) и Chervonenkis (1974).</a:t>
-            </a:r>
-            <a:endParaRPr b="0" lang="bg-BG" sz="1800" spc="-1" strike="noStrike">
+              <a:t>    </a:t>
+            </a:r>
+            <a:r>
+              <a:rPr b="0" lang="bg-BG" sz="3200" spc="-1" strike="noStrike">
+                <a:solidFill>
+                  <a:srgbClr val="000000"/>
+                </a:solidFill>
+                <a:latin typeface="Arial"/>
+              </a:rPr>
+              <a:t>Той намалява прегревното при вземането на решения и помага за подобряване на точността</a:t>
+            </a:r>
+            <a:endParaRPr b="0" lang="bg-BG" sz="3200" spc="-1" strike="noStrike">
+              <a:solidFill>
+                <a:srgbClr val="000000"/>
+              </a:solidFill>
+              <a:latin typeface="Arial"/>
+            </a:endParaRPr>
+          </a:p>
+          <a:p>
+            <a:pPr marL="289440" indent="-217080">
+              <a:spcBef>
+                <a:spcPts val="1417"/>
+              </a:spcBef>
+              <a:buClr>
+                <a:srgbClr val="000000"/>
+              </a:buClr>
+              <a:buSzPct val="45000"/>
+              <a:buFont typeface="Wingdings" charset="2"/>
+              <a:buChar char=""/>
+            </a:pPr>
+            <a:r>
+              <a:rPr b="0" lang="bg-BG" sz="3200" spc="-1" strike="noStrike">
+                <a:solidFill>
+                  <a:srgbClr val="000000"/>
+                </a:solidFill>
+                <a:latin typeface="Arial"/>
+              </a:rPr>
+              <a:t>    </a:t>
+            </a:r>
+            <a:r>
+              <a:rPr b="0" lang="bg-BG" sz="3200" spc="-1" strike="noStrike">
+                <a:solidFill>
+                  <a:srgbClr val="000000"/>
+                </a:solidFill>
+                <a:latin typeface="Arial"/>
+              </a:rPr>
+              <a:t>Гъвкава е както за класифициране, така и за регресионни проблеми</a:t>
+            </a:r>
+            <a:endParaRPr b="0" lang="bg-BG" sz="3200" spc="-1" strike="noStrike">
+              <a:solidFill>
+                <a:srgbClr val="000000"/>
+              </a:solidFill>
+              <a:latin typeface="Arial"/>
+            </a:endParaRPr>
+          </a:p>
+          <a:p>
+            <a:pPr marL="289440" indent="-217080">
+              <a:spcBef>
+                <a:spcPts val="1417"/>
+              </a:spcBef>
+              <a:buClr>
+                <a:srgbClr val="000000"/>
+              </a:buClr>
+              <a:buSzPct val="45000"/>
+              <a:buFont typeface="Wingdings" charset="2"/>
+              <a:buChar char=""/>
+            </a:pPr>
+            <a:r>
+              <a:rPr b="0" lang="bg-BG" sz="3200" spc="-1" strike="noStrike">
+                <a:solidFill>
+                  <a:srgbClr val="000000"/>
+                </a:solidFill>
+                <a:latin typeface="Arial"/>
+              </a:rPr>
+              <a:t>    </a:t>
+            </a:r>
+            <a:r>
+              <a:rPr b="0" lang="bg-BG" sz="3200" spc="-1" strike="noStrike">
+                <a:solidFill>
+                  <a:srgbClr val="000000"/>
+                </a:solidFill>
+                <a:latin typeface="Arial"/>
+              </a:rPr>
+              <a:t>Работи добре както с категорични, така и с непрекъснати стойности</a:t>
+            </a:r>
+            <a:endParaRPr b="0" lang="bg-BG" sz="3200" spc="-1" strike="noStrike">
+              <a:solidFill>
+                <a:srgbClr val="000000"/>
+              </a:solidFill>
+              <a:latin typeface="Arial"/>
+            </a:endParaRPr>
+          </a:p>
+          <a:p>
+            <a:pPr marL="289440" indent="-217080">
+              <a:spcBef>
+                <a:spcPts val="1417"/>
+              </a:spcBef>
+              <a:buClr>
+                <a:srgbClr val="000000"/>
+              </a:buClr>
+              <a:buSzPct val="45000"/>
+              <a:buFont typeface="Wingdings" charset="2"/>
+              <a:buChar char=""/>
+            </a:pPr>
+            <a:r>
+              <a:rPr b="0" lang="bg-BG" sz="3200" spc="-1" strike="noStrike">
+                <a:solidFill>
+                  <a:srgbClr val="000000"/>
+                </a:solidFill>
+                <a:latin typeface="Arial"/>
+              </a:rPr>
+              <a:t>    </a:t>
+            </a:r>
+            <a:r>
+              <a:rPr b="0" lang="bg-BG" sz="3200" spc="-1" strike="noStrike">
+                <a:solidFill>
+                  <a:srgbClr val="000000"/>
+                </a:solidFill>
+                <a:latin typeface="Arial"/>
+              </a:rPr>
+              <a:t>Той автоматизира липсващите стойности, присъстващи в данните</a:t>
+            </a:r>
+            <a:endParaRPr b="0" lang="bg-BG" sz="3200" spc="-1" strike="noStrike">
+              <a:solidFill>
+                <a:srgbClr val="000000"/>
+              </a:solidFill>
+              <a:latin typeface="Arial"/>
+            </a:endParaRPr>
+          </a:p>
+          <a:p>
+            <a:pPr marL="289440" indent="-217080">
+              <a:spcBef>
+                <a:spcPts val="1417"/>
+              </a:spcBef>
+              <a:buClr>
+                <a:srgbClr val="000000"/>
+              </a:buClr>
+              <a:buSzPct val="45000"/>
+              <a:buFont typeface="Wingdings" charset="2"/>
+              <a:buChar char=""/>
+            </a:pPr>
+            <a:r>
+              <a:rPr b="0" lang="bg-BG" sz="3200" spc="-1" strike="noStrike">
+                <a:solidFill>
+                  <a:srgbClr val="000000"/>
+                </a:solidFill>
+                <a:latin typeface="Arial"/>
+              </a:rPr>
+              <a:t>    </a:t>
+            </a:r>
+            <a:r>
+              <a:rPr b="0" lang="bg-BG" sz="3200" spc="-1" strike="noStrike">
+                <a:solidFill>
+                  <a:srgbClr val="000000"/>
+                </a:solidFill>
+                <a:latin typeface="Arial"/>
+              </a:rPr>
+              <a:t>Нормализирането на данните не се изисква, тъй като използва подход, основан на правила.</a:t>
+            </a:r>
+            <a:endParaRPr b="0" lang="bg-BG" sz="3200" spc="-1" strike="noStrike">
               <a:solidFill>
                 <a:srgbClr val="000000"/>
               </a:solidFill>
@@ -10113,7 +10953,7 @@
       </p:grpSpPr>
       <p:sp>
         <p:nvSpPr>
-          <p:cNvPr id="133" name="PlaceHolder 1"/>
+          <p:cNvPr id="132" name="PlaceHolder 1"/>
           <p:cNvSpPr>
             <a:spLocks noGrp="1"/>
           </p:cNvSpPr>
@@ -10123,8 +10963,8 @@
         </p:nvSpPr>
         <p:spPr>
           <a:xfrm>
-            <a:off x="504000" y="225720"/>
-            <a:ext cx="9070560" cy="945720"/>
+            <a:off x="504000" y="226080"/>
+            <a:ext cx="9072000" cy="946440"/>
           </a:xfrm>
           <a:prstGeom prst="rect">
             <a:avLst/>
@@ -10142,18 +10982,27 @@
             <a:pPr indent="0" algn="ctr">
               <a:buNone/>
             </a:pPr>
-            <a:endParaRPr b="0" lang="bg-BG" sz="1800" spc="-1" strike="noStrike">
-              <a:solidFill>
-                <a:srgbClr val="000000"/>
-              </a:solidFill>
-              <a:latin typeface="Arial"/>
-            </a:endParaRPr>
-          </a:p>
-        </p:txBody>
-      </p:sp>
-      <p:sp>
-        <p:nvSpPr>
-          <p:cNvPr id="134" name="PlaceHolder 2"/>
+            <a:r>
+              <a:rPr b="0" lang="bg-BG" sz="4400" spc="-1" strike="noStrike">
+                <a:solidFill>
+                  <a:srgbClr val="000000"/>
+                </a:solidFill>
+                <a:latin typeface="Arial"/>
+              </a:rPr>
+              <a:t>Недостатъци</a:t>
+            </a:r>
+            <a:endParaRPr b="0" lang="bg-BG" sz="4400" spc="-1" strike="noStrike">
+              <a:solidFill>
+                <a:srgbClr val="000000"/>
+              </a:solidFill>
+              <a:latin typeface="Arial"/>
+            </a:endParaRPr>
+          </a:p>
+        </p:txBody>
+      </p:sp>
+      <p:sp>
+        <p:nvSpPr>
+          <p:cNvPr id="133" name="PlaceHolder 2"/>
           <p:cNvSpPr>
             <a:spLocks noGrp="1"/>
           </p:cNvSpPr>
@@ -10164,7 +11013,7 @@
         <p:spPr>
           <a:xfrm>
             <a:off x="504000" y="1326600"/>
-            <a:ext cx="9070560" cy="3287160"/>
+            <a:ext cx="9072000" cy="3288600"/>
           </a:xfrm>
           <a:prstGeom prst="rect">
             <a:avLst/>
@@ -10176,16 +11025,194 @@
         </p:spPr>
         <p:txBody>
           <a:bodyPr lIns="0" rIns="0" tIns="0" bIns="0" anchor="t">
-            <a:normAutofit/>
-          </a:bodyPr>
-          <a:p>
-            <a:pPr indent="0">
+            <a:normAutofit fontScale="75000"/>
+          </a:bodyPr>
+          <a:p>
+            <a:pPr marL="324000" indent="-243000">
               <a:spcBef>
                 <a:spcPts val="1417"/>
               </a:spcBef>
-              <a:buNone/>
-            </a:pPr>
-            <a:endParaRPr b="0" lang="bg-BG" sz="1800" spc="-1" strike="noStrike">
+              <a:buClr>
+                <a:srgbClr val="000000"/>
+              </a:buClr>
+              <a:buSzPct val="45000"/>
+              <a:buFont typeface="Wingdings" charset="2"/>
+              <a:buChar char=""/>
+            </a:pPr>
+            <a:r>
+              <a:rPr b="0" lang="bg-BG" sz="3200" spc="-1" strike="noStrike">
+                <a:solidFill>
+                  <a:srgbClr val="000000"/>
+                </a:solidFill>
+                <a:latin typeface="Arial"/>
+              </a:rPr>
+              <a:t>    </a:t>
+            </a:r>
+            <a:r>
+              <a:rPr b="0" lang="bg-BG" sz="3200" spc="-1" strike="noStrike">
+                <a:solidFill>
+                  <a:srgbClr val="000000"/>
+                </a:solidFill>
+                <a:latin typeface="Arial"/>
+              </a:rPr>
+              <a:t>Изисква много изчислителна мощност, </a:t>
+            </a:r>
+            <a:r>
+              <a:rPr b="0" lang="bg-BG" sz="3200" spc="-1" strike="noStrike">
+                <a:solidFill>
+                  <a:srgbClr val="000000"/>
+                </a:solidFill>
+                <a:latin typeface="Arial"/>
+              </a:rPr>
+              <a:t>както и ресурси, тъй като изгражда </a:t>
+            </a:r>
+            <a:r>
+              <a:rPr b="0" lang="bg-BG" sz="3200" spc="-1" strike="noStrike">
+                <a:solidFill>
+                  <a:srgbClr val="000000"/>
+                </a:solidFill>
+                <a:latin typeface="Arial"/>
+              </a:rPr>
+              <a:t>множество дървета, за да комбинира своите </a:t>
+            </a:r>
+            <a:r>
+              <a:rPr b="0" lang="bg-BG" sz="3200" spc="-1" strike="noStrike">
+                <a:solidFill>
+                  <a:srgbClr val="000000"/>
+                </a:solidFill>
+                <a:latin typeface="Arial"/>
+              </a:rPr>
+              <a:t>изходи.</a:t>
+            </a:r>
+            <a:endParaRPr b="0" lang="bg-BG" sz="3200" spc="-1" strike="noStrike">
+              <a:solidFill>
+                <a:srgbClr val="000000"/>
+              </a:solidFill>
+              <a:latin typeface="Arial"/>
+            </a:endParaRPr>
+          </a:p>
+          <a:p>
+            <a:pPr marL="324000" indent="-243000">
+              <a:spcBef>
+                <a:spcPts val="1417"/>
+              </a:spcBef>
+              <a:buClr>
+                <a:srgbClr val="000000"/>
+              </a:buClr>
+              <a:buSzPct val="45000"/>
+              <a:buFont typeface="Wingdings" charset="2"/>
+              <a:buChar char=""/>
+            </a:pPr>
+            <a:r>
+              <a:rPr b="0" lang="bg-BG" sz="3200" spc="-1" strike="noStrike">
+                <a:solidFill>
+                  <a:srgbClr val="000000"/>
+                </a:solidFill>
+                <a:latin typeface="Arial"/>
+              </a:rPr>
+              <a:t>    </a:t>
+            </a:r>
+            <a:r>
+              <a:rPr b="0" lang="bg-BG" sz="3200" spc="-1" strike="noStrike">
+                <a:solidFill>
+                  <a:srgbClr val="000000"/>
+                </a:solidFill>
+                <a:latin typeface="Arial"/>
+              </a:rPr>
+              <a:t>Също така се изисква много време за </a:t>
+            </a:r>
+            <a:r>
+              <a:rPr b="0" lang="bg-BG" sz="3200" spc="-1" strike="noStrike">
+                <a:solidFill>
+                  <a:srgbClr val="000000"/>
+                </a:solidFill>
+                <a:latin typeface="Arial"/>
+              </a:rPr>
+              <a:t>обучение, тъй като съчетава много дървета </a:t>
+            </a:r>
+            <a:r>
+              <a:rPr b="0" lang="bg-BG" sz="3200" spc="-1" strike="noStrike">
+                <a:solidFill>
+                  <a:srgbClr val="000000"/>
+                </a:solidFill>
+                <a:latin typeface="Arial"/>
+              </a:rPr>
+              <a:t>за вземане на решения, за да се определи </a:t>
+            </a:r>
+            <a:r>
+              <a:rPr b="0" lang="bg-BG" sz="3200" spc="-1" strike="noStrike">
+                <a:solidFill>
+                  <a:srgbClr val="000000"/>
+                </a:solidFill>
+                <a:latin typeface="Arial"/>
+              </a:rPr>
+              <a:t>класът.</a:t>
+            </a:r>
+            <a:endParaRPr b="0" lang="bg-BG" sz="3200" spc="-1" strike="noStrike">
+              <a:solidFill>
+                <a:srgbClr val="000000"/>
+              </a:solidFill>
+              <a:latin typeface="Arial"/>
+            </a:endParaRPr>
+          </a:p>
+          <a:p>
+            <a:pPr marL="324000" indent="-243000">
+              <a:spcBef>
+                <a:spcPts val="1417"/>
+              </a:spcBef>
+              <a:buClr>
+                <a:srgbClr val="000000"/>
+              </a:buClr>
+              <a:buSzPct val="45000"/>
+              <a:buFont typeface="Wingdings" charset="2"/>
+              <a:buChar char=""/>
+            </a:pPr>
+            <a:r>
+              <a:rPr b="0" lang="bg-BG" sz="3200" spc="-1" strike="noStrike">
+                <a:solidFill>
+                  <a:srgbClr val="000000"/>
+                </a:solidFill>
+                <a:latin typeface="Arial"/>
+              </a:rPr>
+              <a:t>    </a:t>
+            </a:r>
+            <a:r>
+              <a:rPr b="0" lang="bg-BG" sz="3200" spc="-1" strike="noStrike">
+                <a:solidFill>
+                  <a:srgbClr val="000000"/>
+                </a:solidFill>
+                <a:latin typeface="Arial"/>
+              </a:rPr>
+              <a:t>Благодарение на ансамбъла от дървета </a:t>
+            </a:r>
+            <a:r>
+              <a:rPr b="0" lang="bg-BG" sz="3200" spc="-1" strike="noStrike">
+                <a:solidFill>
+                  <a:srgbClr val="000000"/>
+                </a:solidFill>
+                <a:latin typeface="Arial"/>
+              </a:rPr>
+              <a:t>за вземане на решения, той също страда от </a:t>
+            </a:r>
+            <a:r>
+              <a:rPr b="0" lang="bg-BG" sz="3200" spc="-1" strike="noStrike">
+                <a:solidFill>
+                  <a:srgbClr val="000000"/>
+                </a:solidFill>
+                <a:latin typeface="Arial"/>
+              </a:rPr>
+              <a:t>интерпретативност и не успява да определи </a:t>
+            </a:r>
+            <a:r>
+              <a:rPr b="0" lang="bg-BG" sz="3200" spc="-1" strike="noStrike">
+                <a:solidFill>
+                  <a:srgbClr val="000000"/>
+                </a:solidFill>
+                <a:latin typeface="Arial"/>
+              </a:rPr>
+              <a:t>значимостта на всяка променлива.</a:t>
+            </a:r>
+            <a:endParaRPr b="0" lang="bg-BG" sz="3200" spc="-1" strike="noStrike">
               <a:solidFill>
                 <a:srgbClr val="000000"/>
               </a:solidFill>
@@ -10226,7 +11253,7 @@
       </p:grpSpPr>
       <p:sp>
         <p:nvSpPr>
-          <p:cNvPr id="135" name="PlaceHolder 1"/>
+          <p:cNvPr id="134" name="PlaceHolder 1"/>
           <p:cNvSpPr>
             <a:spLocks noGrp="1"/>
           </p:cNvSpPr>
@@ -10237,7 +11264,7 @@
         <p:spPr>
           <a:xfrm>
             <a:off x="504000" y="225720"/>
-            <a:ext cx="9070560" cy="945720"/>
+            <a:ext cx="9070200" cy="945360"/>
           </a:xfrm>
           <a:prstGeom prst="rect">
             <a:avLst/>
@@ -10252,9 +11279,24 @@
             <a:noAutofit/>
           </a:bodyPr>
           <a:p>
-            <a:pPr indent="0" algn="ctr">
-              <a:buNone/>
-            </a:pPr>
+            <a:pPr indent="0">
+              <a:lnSpc>
+                <a:spcPct val="100000"/>
+              </a:lnSpc>
+              <a:buNone/>
+              <a:tabLst>
+                <a:tab algn="l" pos="0"/>
+              </a:tabLst>
+            </a:pPr>
+            <a:r>
+              <a:rPr b="0" lang="bg-BG" sz="1800" spc="-1" strike="noStrike">
+                <a:solidFill>
+                  <a:srgbClr val="000000"/>
+                </a:solidFill>
+                <a:latin typeface="Arial"/>
+              </a:rPr>
+              <a:t>Защо RL, а не SVM?</a:t>
+            </a:r>
             <a:endParaRPr b="0" lang="bg-BG" sz="1800" spc="-1" strike="noStrike">
               <a:solidFill>
                 <a:srgbClr val="000000"/>
@@ -10266,7 +11308,7 @@
       </p:sp>
       <p:sp>
         <p:nvSpPr>
-          <p:cNvPr id="136" name="PlaceHolder 2"/>
+          <p:cNvPr id="135" name="PlaceHolder 2"/>
           <p:cNvSpPr>
             <a:spLocks noGrp="1"/>
           </p:cNvSpPr>
@@ -10277,7 +11319,7 @@
         <p:spPr>
           <a:xfrm>
             <a:off x="504000" y="1326600"/>
-            <a:ext cx="9070560" cy="3287160"/>
+            <a:ext cx="9070200" cy="3286800"/>
           </a:xfrm>
           <a:prstGeom prst="rect">
             <a:avLst/>
@@ -10289,15 +11331,28 @@
         </p:spPr>
         <p:txBody>
           <a:bodyPr lIns="0" rIns="0" tIns="0" bIns="0" anchor="t">
-            <a:normAutofit/>
-          </a:bodyPr>
-          <a:p>
-            <a:pPr indent="0">
-              <a:spcBef>
-                <a:spcPts val="1417"/>
-              </a:spcBef>
-              <a:buNone/>
-            </a:pPr>
+            <a:normAutofit fontScale="94000"/>
+          </a:bodyPr>
+          <a:p>
+            <a:pPr marL="406080" indent="-304560">
+              <a:lnSpc>
+                <a:spcPct val="100000"/>
+              </a:lnSpc>
+              <a:buClr>
+                <a:srgbClr val="000000"/>
+              </a:buClr>
+              <a:buFont typeface="Wingdings" charset="2"/>
+              <a:buChar char=""/>
+            </a:pPr>
+            <a:r>
+              <a:rPr b="0" lang="bg-BG" sz="1800" spc="-1" strike="noStrike">
+                <a:solidFill>
+                  <a:srgbClr val="000000"/>
+                </a:solidFill>
+                <a:latin typeface="Arial"/>
+              </a:rPr>
+              <a:t>Обучението SVM с голямо количество данни за обучение и евентуално шумни входни данни може да доведе до дълго време на обучение и превъзходно. Един случаен класификатор на гората (RF) преодолява тези проблеми. RF е ансамбъл от отделни дървета за вземане на решения. Всяко дърво предсказва клас, а дървото с най-голяма вероятност се избира. Броят на вземанията може да бъде предварително определен. Всяко дърво взема проби от произволна подмножество на входните данни по време на обучението. Значението на резултатите и високият брой на решенията дървета могат да предотвратят превъзходното. Паралелното обучение на дърветата е по-бързо в сравнение с SVM обучение. Въпреки това, времето за прогнозиране се увеличава с броя на дърветата за вземане на решения. RFs оценяват значението на входните характеристики по време на обучението, за да идентифицират най-значимите характеристики в набора от данни.</a:t>
+            </a:r>
             <a:endParaRPr b="0" lang="bg-BG" sz="1800" spc="-1" strike="noStrike">
               <a:solidFill>
                 <a:srgbClr val="000000"/>
@@ -10339,7 +11394,7 @@
       </p:grpSpPr>
       <p:sp>
         <p:nvSpPr>
-          <p:cNvPr id="137" name="PlaceHolder 1"/>
+          <p:cNvPr id="136" name="PlaceHolder 1"/>
           <p:cNvSpPr>
             <a:spLocks noGrp="1"/>
           </p:cNvSpPr>
@@ -10350,7 +11405,7 @@
         <p:spPr>
           <a:xfrm>
             <a:off x="504000" y="225720"/>
-            <a:ext cx="9070560" cy="945720"/>
+            <a:ext cx="9070200" cy="945360"/>
           </a:xfrm>
           <a:prstGeom prst="rect">
             <a:avLst/>
@@ -10381,7 +11436,7 @@
                 </a:solidFill>
                 <a:latin typeface="Arial"/>
               </a:rPr>
-              <a:t>Примерна реализация на алгоритмите</a:t>
+              <a:t>Какво е SVM?</a:t>
             </a:r>
             <a:endParaRPr b="0" lang="bg-BG" sz="1800" spc="-1" strike="noStrike">
               <a:solidFill>
@@ -10394,7 +11449,7 @@
       </p:sp>
       <p:sp>
         <p:nvSpPr>
-          <p:cNvPr id="138" name="PlaceHolder 2"/>
+          <p:cNvPr id="137" name="PlaceHolder 2"/>
           <p:cNvSpPr>
             <a:spLocks noGrp="1"/>
           </p:cNvSpPr>
@@ -10405,7 +11460,7 @@
         <p:spPr>
           <a:xfrm>
             <a:off x="504000" y="1326600"/>
-            <a:ext cx="9070560" cy="3287160"/>
+            <a:ext cx="9070200" cy="3286800"/>
           </a:xfrm>
           <a:prstGeom prst="rect">
             <a:avLst/>
@@ -10437,54 +11492,7 @@
                 </a:solidFill>
                 <a:latin typeface="Arial"/>
               </a:rPr>
-              <a:t>Random Forest</a:t>
-            </a:r>
-            <a:endParaRPr b="0" lang="bg-BG" sz="1800" spc="-1" strike="noStrike">
-              <a:solidFill>
-                <a:srgbClr val="000000"/>
-              </a:solidFill>
-              <a:latin typeface="Arial"/>
-            </a:endParaRPr>
-          </a:p>
-          <a:p>
-            <a:pPr indent="0">
-              <a:lnSpc>
-                <a:spcPct val="100000"/>
-              </a:lnSpc>
-              <a:buNone/>
-              <a:tabLst>
-                <a:tab algn="l" pos="0"/>
-              </a:tabLst>
-            </a:pPr>
-            <a:endParaRPr b="0" lang="bg-BG" sz="1800" spc="-1" strike="noStrike">
-              <a:solidFill>
-                <a:srgbClr val="000000"/>
-              </a:solidFill>
-              <a:latin typeface="Arial"/>
-            </a:endParaRPr>
-          </a:p>
-          <a:p>
-            <a:pPr marL="432000" indent="-324000">
-              <a:lnSpc>
-                <a:spcPct val="100000"/>
-              </a:lnSpc>
-              <a:buClr>
-                <a:srgbClr val="000000"/>
-              </a:buClr>
-              <a:buFont typeface="Wingdings" charset="2"/>
-              <a:buChar char=""/>
-              <a:tabLst>
-                <a:tab algn="l" pos="0"/>
-              </a:tabLst>
-            </a:pPr>
-            <a:r>
-              <a:rPr b="0" lang="bg-BG" sz="1800" spc="-1" strike="noStrike">
-                <a:solidFill>
-                  <a:srgbClr val="000000"/>
-                </a:solidFill>
-                <a:latin typeface="Arial"/>
-              </a:rPr>
-              <a:t>SVM</a:t>
+              <a:t>В машинното обучение, поддържайте векторни машини (SVMs) са макс-маргин модели със свързани алгоритми за обучение, които анализират данни за класификация и регресионен анализ. SVMs са едни от най-изучаваните модели, базирани на статистически учебни рамки или , предложена от Vapnik (1982, 1995) и Chervonenkis (1974).</a:t>
             </a:r>
             <a:endParaRPr b="0" lang="bg-BG" sz="1800" spc="-1" strike="noStrike">
               <a:solidFill>
